--- a/User Persona.pptx
+++ b/User Persona.pptx
@@ -115,7 +115,7 @@
 <file path=ppt/revisionInfo.xml><?xml version="1.0" encoding="utf-8"?>
 <p1510:revInfo xmlns:a="http://schemas.openxmlformats.org/drawingml/2006/main" xmlns:r="http://schemas.openxmlformats.org/officeDocument/2006/relationships" xmlns:p1510="http://schemas.microsoft.com/office/powerpoint/2015/10/main">
   <p1510:revLst>
-    <p1510:client id="{D22FFB0F-5ED1-44C3-9F80-A24BDA764D9D}" v="1" dt="2023-03-24T12:49:30.897"/>
+    <p1510:client id="{BEC84D77-D463-4417-A357-6A4772FBDAA1}" v="3" dt="2023-06-12T13:13:53.379"/>
   </p1510:revLst>
 </p1510:revInfo>
 </file>
@@ -199,6 +199,94 @@
             <ac:graphicFrameMk id="39" creationId="{D3F8FC91-D323-2213-9B93-98B9E45B408B}"/>
           </ac:graphicFrameMkLst>
         </pc:graphicFrameChg>
+      </pc:sldChg>
+    </pc:docChg>
+  </pc:docChgLst>
+  <pc:docChgLst>
+    <pc:chgData name="Walta, Sterre (220759)" userId="a12c3bcb-5c2b-4935-bae2-63c9dacd62c8" providerId="ADAL" clId="{BEC84D77-D463-4417-A357-6A4772FBDAA1}"/>
+    <pc:docChg chg="undo custSel modSld">
+      <pc:chgData name="Walta, Sterre (220759)" userId="a12c3bcb-5c2b-4935-bae2-63c9dacd62c8" providerId="ADAL" clId="{BEC84D77-D463-4417-A357-6A4772FBDAA1}" dt="2023-06-12T13:14:38.698" v="78" actId="1076"/>
+      <pc:docMkLst>
+        <pc:docMk/>
+      </pc:docMkLst>
+      <pc:sldChg chg="addSp delSp modSp mod">
+        <pc:chgData name="Walta, Sterre (220759)" userId="a12c3bcb-5c2b-4935-bae2-63c9dacd62c8" providerId="ADAL" clId="{BEC84D77-D463-4417-A357-6A4772FBDAA1}" dt="2023-06-12T13:14:38.698" v="78" actId="1076"/>
+        <pc:sldMkLst>
+          <pc:docMk/>
+          <pc:sldMk cId="2897900412" sldId="256"/>
+        </pc:sldMkLst>
+        <pc:spChg chg="add mod">
+          <ac:chgData name="Walta, Sterre (220759)" userId="a12c3bcb-5c2b-4935-bae2-63c9dacd62c8" providerId="ADAL" clId="{BEC84D77-D463-4417-A357-6A4772FBDAA1}" dt="2023-06-12T13:14:38.698" v="78" actId="1076"/>
+          <ac:spMkLst>
+            <pc:docMk/>
+            <pc:sldMk cId="2897900412" sldId="256"/>
+            <ac:spMk id="2" creationId="{39533DB0-ACF9-8779-4F69-8671F25C1ACF}"/>
+          </ac:spMkLst>
+        </pc:spChg>
+        <pc:spChg chg="add mod">
+          <ac:chgData name="Walta, Sterre (220759)" userId="a12c3bcb-5c2b-4935-bae2-63c9dacd62c8" providerId="ADAL" clId="{BEC84D77-D463-4417-A357-6A4772FBDAA1}" dt="2023-06-12T13:13:49.152" v="69" actId="20577"/>
+          <ac:spMkLst>
+            <pc:docMk/>
+            <pc:sldMk cId="2897900412" sldId="256"/>
+            <ac:spMk id="3" creationId="{FAA4CB53-3A42-C2DA-47FD-940A8E4C2521}"/>
+          </ac:spMkLst>
+        </pc:spChg>
+        <pc:spChg chg="mod">
+          <ac:chgData name="Walta, Sterre (220759)" userId="a12c3bcb-5c2b-4935-bae2-63c9dacd62c8" providerId="ADAL" clId="{BEC84D77-D463-4417-A357-6A4772FBDAA1}" dt="2023-06-12T13:14:28.985" v="77" actId="20577"/>
+          <ac:spMkLst>
+            <pc:docMk/>
+            <pc:sldMk cId="2897900412" sldId="256"/>
+            <ac:spMk id="35" creationId="{2BF6E34C-5A08-D0F8-7F81-E82100992875}"/>
+          </ac:spMkLst>
+        </pc:spChg>
+        <pc:spChg chg="mod">
+          <ac:chgData name="Walta, Sterre (220759)" userId="a12c3bcb-5c2b-4935-bae2-63c9dacd62c8" providerId="ADAL" clId="{BEC84D77-D463-4417-A357-6A4772FBDAA1}" dt="2023-06-12T13:08:57.798" v="32" actId="1076"/>
+          <ac:spMkLst>
+            <pc:docMk/>
+            <pc:sldMk cId="2897900412" sldId="256"/>
+            <ac:spMk id="50" creationId="{B09EA4A2-D400-4579-1E48-6451F2A01ADD}"/>
+          </ac:spMkLst>
+        </pc:spChg>
+        <pc:spChg chg="mod">
+          <ac:chgData name="Walta, Sterre (220759)" userId="a12c3bcb-5c2b-4935-bae2-63c9dacd62c8" providerId="ADAL" clId="{BEC84D77-D463-4417-A357-6A4772FBDAA1}" dt="2023-06-12T13:08:40.400" v="2"/>
+          <ac:spMkLst>
+            <pc:docMk/>
+            <pc:sldMk cId="2897900412" sldId="256"/>
+            <ac:spMk id="51" creationId="{DC9849E3-EFF0-CEF5-2227-6110C974D37C}"/>
+          </ac:spMkLst>
+        </pc:spChg>
+        <pc:spChg chg="del mod">
+          <ac:chgData name="Walta, Sterre (220759)" userId="a12c3bcb-5c2b-4935-bae2-63c9dacd62c8" providerId="ADAL" clId="{BEC84D77-D463-4417-A357-6A4772FBDAA1}" dt="2023-06-12T13:11:14.109" v="48" actId="21"/>
+          <ac:spMkLst>
+            <pc:docMk/>
+            <pc:sldMk cId="2897900412" sldId="256"/>
+            <ac:spMk id="76" creationId="{158FAEE9-31C9-CA8F-CD86-035F401F61F8}"/>
+          </ac:spMkLst>
+        </pc:spChg>
+        <pc:spChg chg="del">
+          <ac:chgData name="Walta, Sterre (220759)" userId="a12c3bcb-5c2b-4935-bae2-63c9dacd62c8" providerId="ADAL" clId="{BEC84D77-D463-4417-A357-6A4772FBDAA1}" dt="2023-06-12T13:10:24.688" v="35" actId="478"/>
+          <ac:spMkLst>
+            <pc:docMk/>
+            <pc:sldMk cId="2897900412" sldId="256"/>
+            <ac:spMk id="77" creationId="{4F6DCC59-5A8B-5693-207C-31834A0DFE9B}"/>
+          </ac:spMkLst>
+        </pc:spChg>
+        <pc:spChg chg="mod">
+          <ac:chgData name="Walta, Sterre (220759)" userId="a12c3bcb-5c2b-4935-bae2-63c9dacd62c8" providerId="ADAL" clId="{BEC84D77-D463-4417-A357-6A4772FBDAA1}" dt="2023-06-12T13:09:19.039" v="34" actId="404"/>
+          <ac:spMkLst>
+            <pc:docMk/>
+            <pc:sldMk cId="2897900412" sldId="256"/>
+            <ac:spMk id="78" creationId="{E3D70E6E-6CF8-2285-5921-A0A4BE17E3C8}"/>
+          </ac:spMkLst>
+        </pc:spChg>
+        <pc:cxnChg chg="add mod">
+          <ac:chgData name="Walta, Sterre (220759)" userId="a12c3bcb-5c2b-4935-bae2-63c9dacd62c8" providerId="ADAL" clId="{BEC84D77-D463-4417-A357-6A4772FBDAA1}" dt="2023-06-12T13:13:58.256" v="71" actId="1076"/>
+          <ac:cxnSpMkLst>
+            <pc:docMk/>
+            <pc:sldMk cId="2897900412" sldId="256"/>
+            <ac:cxnSpMk id="9" creationId="{C94C617F-4D8A-4D7A-E326-777C8582441B}"/>
+          </ac:cxnSpMkLst>
+        </pc:cxnChg>
       </pc:sldChg>
     </pc:docChg>
   </pc:docChgLst>
@@ -3781,7 +3869,7 @@
           <a:p>
             <a:fld id="{A9B9856D-1CC1-4D71-93BC-5A9EC7005DB5}" type="datetimeFigureOut">
               <a:rPr lang="en-GB" smtClean="0"/>
-              <a:t>24/03/2023</a:t>
+              <a:t>12/06/2023</a:t>
             </a:fld>
             <a:endParaRPr lang="en-GB"/>
           </a:p>
@@ -3979,7 +4067,7 @@
           <a:p>
             <a:fld id="{A9B9856D-1CC1-4D71-93BC-5A9EC7005DB5}" type="datetimeFigureOut">
               <a:rPr lang="en-GB" smtClean="0"/>
-              <a:t>24/03/2023</a:t>
+              <a:t>12/06/2023</a:t>
             </a:fld>
             <a:endParaRPr lang="en-GB"/>
           </a:p>
@@ -4187,7 +4275,7 @@
           <a:p>
             <a:fld id="{A9B9856D-1CC1-4D71-93BC-5A9EC7005DB5}" type="datetimeFigureOut">
               <a:rPr lang="en-GB" smtClean="0"/>
-              <a:t>24/03/2023</a:t>
+              <a:t>12/06/2023</a:t>
             </a:fld>
             <a:endParaRPr lang="en-GB"/>
           </a:p>
@@ -4385,7 +4473,7 @@
           <a:p>
             <a:fld id="{A9B9856D-1CC1-4D71-93BC-5A9EC7005DB5}" type="datetimeFigureOut">
               <a:rPr lang="en-GB" smtClean="0"/>
-              <a:t>24/03/2023</a:t>
+              <a:t>12/06/2023</a:t>
             </a:fld>
             <a:endParaRPr lang="en-GB"/>
           </a:p>
@@ -4660,7 +4748,7 @@
           <a:p>
             <a:fld id="{A9B9856D-1CC1-4D71-93BC-5A9EC7005DB5}" type="datetimeFigureOut">
               <a:rPr lang="en-GB" smtClean="0"/>
-              <a:t>24/03/2023</a:t>
+              <a:t>12/06/2023</a:t>
             </a:fld>
             <a:endParaRPr lang="en-GB"/>
           </a:p>
@@ -4925,7 +5013,7 @@
           <a:p>
             <a:fld id="{A9B9856D-1CC1-4D71-93BC-5A9EC7005DB5}" type="datetimeFigureOut">
               <a:rPr lang="en-GB" smtClean="0"/>
-              <a:t>24/03/2023</a:t>
+              <a:t>12/06/2023</a:t>
             </a:fld>
             <a:endParaRPr lang="en-GB"/>
           </a:p>
@@ -5337,7 +5425,7 @@
           <a:p>
             <a:fld id="{A9B9856D-1CC1-4D71-93BC-5A9EC7005DB5}" type="datetimeFigureOut">
               <a:rPr lang="en-GB" smtClean="0"/>
-              <a:t>24/03/2023</a:t>
+              <a:t>12/06/2023</a:t>
             </a:fld>
             <a:endParaRPr lang="en-GB"/>
           </a:p>
@@ -5478,7 +5566,7 @@
           <a:p>
             <a:fld id="{A9B9856D-1CC1-4D71-93BC-5A9EC7005DB5}" type="datetimeFigureOut">
               <a:rPr lang="en-GB" smtClean="0"/>
-              <a:t>24/03/2023</a:t>
+              <a:t>12/06/2023</a:t>
             </a:fld>
             <a:endParaRPr lang="en-GB"/>
           </a:p>
@@ -5591,7 +5679,7 @@
           <a:p>
             <a:fld id="{A9B9856D-1CC1-4D71-93BC-5A9EC7005DB5}" type="datetimeFigureOut">
               <a:rPr lang="en-GB" smtClean="0"/>
-              <a:t>24/03/2023</a:t>
+              <a:t>12/06/2023</a:t>
             </a:fld>
             <a:endParaRPr lang="en-GB"/>
           </a:p>
@@ -5902,7 +5990,7 @@
           <a:p>
             <a:fld id="{A9B9856D-1CC1-4D71-93BC-5A9EC7005DB5}" type="datetimeFigureOut">
               <a:rPr lang="en-GB" smtClean="0"/>
-              <a:t>24/03/2023</a:t>
+              <a:t>12/06/2023</a:t>
             </a:fld>
             <a:endParaRPr lang="en-GB"/>
           </a:p>
@@ -6190,7 +6278,7 @@
           <a:p>
             <a:fld id="{A9B9856D-1CC1-4D71-93BC-5A9EC7005DB5}" type="datetimeFigureOut">
               <a:rPr lang="en-GB" smtClean="0"/>
-              <a:t>24/03/2023</a:t>
+              <a:t>12/06/2023</a:t>
             </a:fld>
             <a:endParaRPr lang="en-GB"/>
           </a:p>
@@ -6436,7 +6524,7 @@
           <a:p>
             <a:fld id="{A9B9856D-1CC1-4D71-93BC-5A9EC7005DB5}" type="datetimeFigureOut">
               <a:rPr lang="en-GB" smtClean="0"/>
-              <a:t>24/03/2023</a:t>
+              <a:t>12/06/2023</a:t>
             </a:fld>
             <a:endParaRPr lang="en-GB"/>
           </a:p>
@@ -7492,7 +7580,13 @@
               <a:rPr lang="nl-NL" dirty="0">
                 <a:latin typeface="Trebuchet MS" panose="020B0603020202020204" pitchFamily="34" charset="0"/>
               </a:rPr>
-              <a:t>Emma Green</a:t>
+              <a:t>Emma </a:t>
+            </a:r>
+            <a:r>
+              <a:rPr lang="nl-NL" dirty="0" err="1">
+                <a:latin typeface="Trebuchet MS" panose="020B0603020202020204" pitchFamily="34" charset="0"/>
+              </a:rPr>
+              <a:t>Swats</a:t>
             </a:r>
             <a:endParaRPr lang="en-GB" dirty="0">
               <a:latin typeface="Trebuchet MS" panose="020B0603020202020204" pitchFamily="34" charset="0"/>
@@ -7895,8 +7989,8 @@
         </p:nvSpPr>
         <p:spPr>
           <a:xfrm>
-            <a:off x="1820805" y="4810978"/>
-            <a:ext cx="887697" cy="369332"/>
+            <a:off x="1467465" y="4810978"/>
+            <a:ext cx="1594376" cy="369332"/>
           </a:xfrm>
           <a:prstGeom prst="rect">
             <a:avLst/>
@@ -7914,7 +8008,7 @@
               <a:rPr lang="nl-NL" dirty="0">
                 <a:latin typeface="Trebuchet MS" panose="020B0603020202020204" pitchFamily="34" charset="0"/>
               </a:rPr>
-              <a:t>STUDY</a:t>
+              <a:t>OCCUPATION</a:t>
             </a:r>
           </a:p>
         </p:txBody>
@@ -7934,7 +8028,7 @@
         <p:spPr>
           <a:xfrm>
             <a:off x="967078" y="5131589"/>
-            <a:ext cx="2538804" cy="584775"/>
+            <a:ext cx="2538804" cy="338554"/>
           </a:xfrm>
           <a:prstGeom prst="rect">
             <a:avLst/>
@@ -7957,7 +8051,7 @@
                 </a:solidFill>
                 <a:latin typeface="+mj-lt"/>
               </a:rPr>
-              <a:t>Disruptive Business &amp; Marketing Strategy </a:t>
+              <a:t>Environmental Activist</a:t>
             </a:r>
           </a:p>
         </p:txBody>
@@ -8642,10 +8736,10 @@
       </p:sp>
       <p:sp>
         <p:nvSpPr>
-          <p:cNvPr id="76" name="TextBox 75">
-            <a:extLst>
-              <a:ext uri="{FF2B5EF4-FFF2-40B4-BE49-F238E27FC236}">
-                <a16:creationId xmlns:a16="http://schemas.microsoft.com/office/drawing/2014/main" id="{158FAEE9-31C9-CA8F-CD86-035F401F61F8}"/>
+          <p:cNvPr id="78" name="TextBox 77">
+            <a:extLst>
+              <a:ext uri="{FF2B5EF4-FFF2-40B4-BE49-F238E27FC236}">
+                <a16:creationId xmlns:a16="http://schemas.microsoft.com/office/drawing/2014/main" id="{E3D70E6E-6CF8-2285-5921-A0A4BE17E3C8}"/>
               </a:ext>
             </a:extLst>
           </p:cNvPr>
@@ -8654,8 +8748,8 @@
         </p:nvSpPr>
         <p:spPr>
           <a:xfrm>
-            <a:off x="8343466" y="1054450"/>
-            <a:ext cx="2814047" cy="1676741"/>
+            <a:off x="8233398" y="4192865"/>
+            <a:ext cx="2844476" cy="2031325"/>
           </a:xfrm>
           <a:prstGeom prst="rect">
             <a:avLst/>
@@ -8668,95 +8762,76 @@
           </a:bodyPr>
           <a:lstStyle/>
           <a:p>
-            <a:pPr>
-              <a:lnSpc>
-                <a:spcPct val="200000"/>
-              </a:lnSpc>
-            </a:pPr>
-            <a:r>
-              <a:rPr lang="nl-NL" dirty="0" err="1">
-                <a:latin typeface="Arial Nova Light" panose="020B0304020202020204" pitchFamily="34" charset="0"/>
+            <a:pPr algn="ctr"/>
+            <a:r>
+              <a:rPr lang="en-GB" sz="1400" dirty="0">
+                <a:solidFill>
+                  <a:schemeClr val="bg2">
+                    <a:lumMod val="50000"/>
+                  </a:schemeClr>
+                </a:solidFill>
+                <a:latin typeface="+mj-lt"/>
               </a:rPr>
-              <a:t>Don’t</a:t>
-            </a:r>
-            <a:r>
-              <a:rPr lang="nl-NL" dirty="0">
-                <a:latin typeface="Arial Nova Light" panose="020B0304020202020204" pitchFamily="34" charset="0"/>
-              </a:rPr>
-              <a:t> Get </a:t>
-            </a:r>
-            <a:r>
-              <a:rPr lang="nl-NL" dirty="0" err="1">
-                <a:latin typeface="Arial Nova Light" panose="020B0304020202020204" pitchFamily="34" charset="0"/>
-              </a:rPr>
-              <a:t>So</a:t>
-            </a:r>
-            <a:r>
-              <a:rPr lang="nl-NL" dirty="0">
-                <a:latin typeface="Arial Nova Light" panose="020B0304020202020204" pitchFamily="34" charset="0"/>
-              </a:rPr>
-              <a:t> Busy Making A Living </a:t>
-            </a:r>
-            <a:r>
-              <a:rPr lang="nl-NL" dirty="0" err="1">
-                <a:latin typeface="Arial Nova Light" panose="020B0304020202020204" pitchFamily="34" charset="0"/>
-              </a:rPr>
-              <a:t>That</a:t>
-            </a:r>
-            <a:r>
-              <a:rPr lang="nl-NL" dirty="0">
-                <a:latin typeface="Arial Nova Light" panose="020B0304020202020204" pitchFamily="34" charset="0"/>
-              </a:rPr>
-              <a:t> </a:t>
-            </a:r>
-            <a:r>
-              <a:rPr lang="nl-NL" dirty="0" err="1">
-                <a:latin typeface="Arial Nova Light" panose="020B0304020202020204" pitchFamily="34" charset="0"/>
-              </a:rPr>
-              <a:t>You</a:t>
-            </a:r>
-            <a:r>
-              <a:rPr lang="nl-NL" dirty="0">
-                <a:latin typeface="Arial Nova Light" panose="020B0304020202020204" pitchFamily="34" charset="0"/>
-              </a:rPr>
-              <a:t> </a:t>
-            </a:r>
-            <a:r>
-              <a:rPr lang="nl-NL" dirty="0" err="1">
-                <a:latin typeface="Arial Nova Light" panose="020B0304020202020204" pitchFamily="34" charset="0"/>
-              </a:rPr>
-              <a:t>Forget</a:t>
-            </a:r>
-            <a:r>
-              <a:rPr lang="nl-NL" dirty="0">
-                <a:latin typeface="Arial Nova Light" panose="020B0304020202020204" pitchFamily="34" charset="0"/>
-              </a:rPr>
-              <a:t> </a:t>
-            </a:r>
-            <a:r>
-              <a:rPr lang="nl-NL" dirty="0" err="1">
-                <a:latin typeface="Arial Nova Light" panose="020B0304020202020204" pitchFamily="34" charset="0"/>
-              </a:rPr>
-              <a:t>To</a:t>
-            </a:r>
-            <a:r>
-              <a:rPr lang="nl-NL" dirty="0">
-                <a:latin typeface="Arial Nova Light" panose="020B0304020202020204" pitchFamily="34" charset="0"/>
-              </a:rPr>
-              <a:t> Make A Life</a:t>
-            </a:r>
-            <a:endParaRPr lang="en-GB" dirty="0">
-              <a:latin typeface="Arial Nova Light" panose="020B0304020202020204" pitchFamily="34" charset="0"/>
+              <a:t>Sarah is a passionate advocate for environmental sustainability and waste reduction. She actively participates in local clean-up initiatives and recycling programs. Sarah is tech-savvy and believes that technology can play a crucial role in promoting waste sorting and recycling practices.</a:t>
+            </a:r>
+            <a:endParaRPr lang="nl-NL" sz="1400" dirty="0">
+              <a:solidFill>
+                <a:schemeClr val="bg2">
+                  <a:lumMod val="50000"/>
+                </a:schemeClr>
+              </a:solidFill>
+              <a:latin typeface="+mj-lt"/>
             </a:endParaRPr>
           </a:p>
         </p:txBody>
       </p:sp>
+      <p:cxnSp>
+        <p:nvCxnSpPr>
+          <p:cNvPr id="79" name="Straight Connector 78">
+            <a:extLst>
+              <a:ext uri="{FF2B5EF4-FFF2-40B4-BE49-F238E27FC236}">
+                <a16:creationId xmlns:a16="http://schemas.microsoft.com/office/drawing/2014/main" id="{3A179B8A-D019-D213-54D6-4AA267FD5051}"/>
+              </a:ext>
+            </a:extLst>
+          </p:cNvPr>
+          <p:cNvCxnSpPr/>
+          <p:nvPr/>
+        </p:nvCxnSpPr>
+        <p:spPr>
+          <a:xfrm>
+            <a:off x="8374370" y="4101663"/>
+            <a:ext cx="2538804" cy="0"/>
+          </a:xfrm>
+          <a:prstGeom prst="line">
+            <a:avLst/>
+          </a:prstGeom>
+          <a:ln>
+            <a:solidFill>
+              <a:srgbClr val="F1C7EC"/>
+            </a:solidFill>
+          </a:ln>
+        </p:spPr>
+        <p:style>
+          <a:lnRef idx="1">
+            <a:schemeClr val="accent1"/>
+          </a:lnRef>
+          <a:fillRef idx="0">
+            <a:schemeClr val="accent1"/>
+          </a:fillRef>
+          <a:effectRef idx="0">
+            <a:schemeClr val="accent1"/>
+          </a:effectRef>
+          <a:fontRef idx="minor">
+            <a:schemeClr val="tx1"/>
+          </a:fontRef>
+        </p:style>
+      </p:cxnSp>
       <p:sp>
         <p:nvSpPr>
-          <p:cNvPr id="77" name="TextBox 76">
-            <a:extLst>
-              <a:ext uri="{FF2B5EF4-FFF2-40B4-BE49-F238E27FC236}">
-                <a16:creationId xmlns:a16="http://schemas.microsoft.com/office/drawing/2014/main" id="{4F6DCC59-5A8B-5693-207C-31834A0DFE9B}"/>
+          <p:cNvPr id="2" name="TextBox 1">
+            <a:extLst>
+              <a:ext uri="{FF2B5EF4-FFF2-40B4-BE49-F238E27FC236}">
+                <a16:creationId xmlns:a16="http://schemas.microsoft.com/office/drawing/2014/main" id="{39533DB0-ACF9-8779-4F69-8671F25C1ACF}"/>
               </a:ext>
             </a:extLst>
           </p:cNvPr>
@@ -8765,8 +8840,8 @@
         </p:nvSpPr>
         <p:spPr>
           <a:xfrm>
-            <a:off x="8012822" y="914400"/>
-            <a:ext cx="3386064" cy="2077492"/>
+            <a:off x="8221534" y="1306093"/>
+            <a:ext cx="2844476" cy="1384995"/>
           </a:xfrm>
           <a:prstGeom prst="rect">
             <a:avLst/>
@@ -8779,37 +8854,72 @@
           </a:bodyPr>
           <a:lstStyle/>
           <a:p>
-            <a:r>
-              <a:rPr lang="nl-NL" sz="5200" dirty="0">
-                <a:latin typeface="Arial Nova Light" panose="020B0304020202020204" pitchFamily="34" charset="0"/>
+            <a:pPr marL="285750" indent="-285750">
+              <a:buFont typeface="Arial" panose="020B0604020202020204" pitchFamily="34" charset="0"/>
+              <a:buChar char="•"/>
+            </a:pPr>
+            <a:r>
+              <a:rPr lang="en-GB" sz="1400" dirty="0">
+                <a:solidFill>
+                  <a:schemeClr val="bg2">
+                    <a:lumMod val="50000"/>
+                  </a:schemeClr>
+                </a:solidFill>
+                <a:latin typeface="+mj-lt"/>
               </a:rPr>
-              <a:t>“</a:t>
-            </a:r>
-          </a:p>
-          <a:p>
-            <a:endParaRPr lang="nl-NL" sz="2500" dirty="0">
-              <a:latin typeface="Arial Nova Light" panose="020B0304020202020204" pitchFamily="34" charset="0"/>
-            </a:endParaRPr>
-          </a:p>
-          <a:p>
-            <a:r>
-              <a:rPr lang="nl-NL" sz="5200" dirty="0">
-                <a:latin typeface="Arial Nova Light" panose="020B0304020202020204" pitchFamily="34" charset="0"/>
+              <a:t>Enhance waste sorting practices and increase recycling rates</a:t>
+            </a:r>
+          </a:p>
+          <a:p>
+            <a:pPr marL="285750" indent="-285750">
+              <a:buFont typeface="Arial" panose="020B0604020202020204" pitchFamily="34" charset="0"/>
+              <a:buChar char="•"/>
+            </a:pPr>
+            <a:r>
+              <a:rPr lang="en-GB" sz="1400" dirty="0">
+                <a:solidFill>
+                  <a:schemeClr val="bg2">
+                    <a:lumMod val="50000"/>
+                  </a:schemeClr>
+                </a:solidFill>
+                <a:latin typeface="+mj-lt"/>
               </a:rPr>
-              <a:t>                ”</a:t>
-            </a:r>
-            <a:endParaRPr lang="en-GB" sz="5200" dirty="0">
-              <a:latin typeface="Arial Nova Light" panose="020B0304020202020204" pitchFamily="34" charset="0"/>
+              <a:t>Simplify the process of identifying recyclable materials</a:t>
+            </a:r>
+          </a:p>
+          <a:p>
+            <a:pPr marL="285750" indent="-285750">
+              <a:buFont typeface="Arial" panose="020B0604020202020204" pitchFamily="34" charset="0"/>
+              <a:buChar char="•"/>
+            </a:pPr>
+            <a:r>
+              <a:rPr lang="en-GB" sz="1400" dirty="0">
+                <a:solidFill>
+                  <a:schemeClr val="bg2">
+                    <a:lumMod val="50000"/>
+                  </a:schemeClr>
+                </a:solidFill>
+                <a:latin typeface="+mj-lt"/>
+              </a:rPr>
+              <a:t>Contribute to a healthier and cleaner environment</a:t>
+            </a:r>
+            <a:endParaRPr lang="nl-NL" sz="1400" dirty="0">
+              <a:solidFill>
+                <a:schemeClr val="bg2">
+                  <a:lumMod val="50000"/>
+                </a:schemeClr>
+              </a:solidFill>
+              <a:latin typeface="+mj-lt"/>
             </a:endParaRPr>
           </a:p>
         </p:txBody>
       </p:sp>
       <p:sp>
         <p:nvSpPr>
-          <p:cNvPr id="78" name="TextBox 77">
-            <a:extLst>
-              <a:ext uri="{FF2B5EF4-FFF2-40B4-BE49-F238E27FC236}">
-                <a16:creationId xmlns:a16="http://schemas.microsoft.com/office/drawing/2014/main" id="{E3D70E6E-6CF8-2285-5921-A0A4BE17E3C8}"/>
+          <p:cNvPr id="3" name="TextBox 2">
+            <a:extLst>
+              <a:ext uri="{FF2B5EF4-FFF2-40B4-BE49-F238E27FC236}">
+                <a16:creationId xmlns:a16="http://schemas.microsoft.com/office/drawing/2014/main" id="{FAA4CB53-3A42-C2DA-47FD-940A8E4C2521}"/>
               </a:ext>
             </a:extLst>
           </p:cNvPr>
@@ -8818,8 +8928,8 @@
         </p:nvSpPr>
         <p:spPr>
           <a:xfrm>
-            <a:off x="8233398" y="4192865"/>
-            <a:ext cx="2844476" cy="2062103"/>
+            <a:off x="8160691" y="848740"/>
+            <a:ext cx="2905319" cy="400110"/>
           </a:xfrm>
           <a:prstGeom prst="rect">
             <a:avLst/>
@@ -8834,33 +8944,20 @@
           <a:p>
             <a:pPr algn="ctr"/>
             <a:r>
-              <a:rPr lang="en-GB" sz="1600" dirty="0">
-                <a:solidFill>
-                  <a:schemeClr val="bg2">
-                    <a:lumMod val="50000"/>
-                  </a:schemeClr>
-                </a:solidFill>
-                <a:latin typeface="+mj-lt"/>
+              <a:rPr lang="nl-NL" sz="2000" dirty="0">
+                <a:latin typeface="Trebuchet MS" panose="020B0603020202020204" pitchFamily="34" charset="0"/>
               </a:rPr>
-              <a:t>Emily is a young professional who is environmentally conscious and is interested in reducing her carbon footprint. She lives in an urban area with limited space, so she is conscious about the amount of waste she generates.</a:t>
-            </a:r>
-            <a:endParaRPr lang="nl-NL" sz="1600" dirty="0">
-              <a:solidFill>
-                <a:schemeClr val="bg2">
-                  <a:lumMod val="50000"/>
-                </a:schemeClr>
-              </a:solidFill>
-              <a:latin typeface="+mj-lt"/>
-            </a:endParaRPr>
+              <a:t>GOALS</a:t>
+            </a:r>
           </a:p>
         </p:txBody>
       </p:sp>
       <p:cxnSp>
         <p:nvCxnSpPr>
-          <p:cNvPr id="79" name="Straight Connector 78">
-            <a:extLst>
-              <a:ext uri="{FF2B5EF4-FFF2-40B4-BE49-F238E27FC236}">
-                <a16:creationId xmlns:a16="http://schemas.microsoft.com/office/drawing/2014/main" id="{3A179B8A-D019-D213-54D6-4AA267FD5051}"/>
+          <p:cNvPr id="9" name="Straight Connector 8">
+            <a:extLst>
+              <a:ext uri="{FF2B5EF4-FFF2-40B4-BE49-F238E27FC236}">
+                <a16:creationId xmlns:a16="http://schemas.microsoft.com/office/drawing/2014/main" id="{C94C617F-4D8A-4D7A-E326-777C8582441B}"/>
               </a:ext>
             </a:extLst>
           </p:cNvPr>
@@ -8869,7 +8966,7 @@
         </p:nvCxnSpPr>
         <p:spPr>
           <a:xfrm>
-            <a:off x="8374370" y="4101663"/>
+            <a:off x="8343948" y="1191427"/>
             <a:ext cx="2538804" cy="0"/>
           </a:xfrm>
           <a:prstGeom prst="line">
